--- a/RESUME_FILE.pptx
+++ b/RESUME_FILE.pptx
@@ -261,7 +261,7 @@
           <a:p>
             <a:fld id="{EBAE6F0D-826F-41C4-985F-786251EE2949}" type="datetimeFigureOut">
               <a:rPr lang="it-IT" smtClean="0"/>
-              <a:t>02/01/2024</a:t>
+              <a:t>03/01/2024</a:t>
             </a:fld>
             <a:endParaRPr lang="it-IT"/>
           </a:p>
@@ -459,7 +459,7 @@
           <a:p>
             <a:fld id="{EBAE6F0D-826F-41C4-985F-786251EE2949}" type="datetimeFigureOut">
               <a:rPr lang="it-IT" smtClean="0"/>
-              <a:t>02/01/2024</a:t>
+              <a:t>03/01/2024</a:t>
             </a:fld>
             <a:endParaRPr lang="it-IT"/>
           </a:p>
@@ -667,7 +667,7 @@
           <a:p>
             <a:fld id="{EBAE6F0D-826F-41C4-985F-786251EE2949}" type="datetimeFigureOut">
               <a:rPr lang="it-IT" smtClean="0"/>
-              <a:t>02/01/2024</a:t>
+              <a:t>03/01/2024</a:t>
             </a:fld>
             <a:endParaRPr lang="it-IT"/>
           </a:p>
@@ -865,7 +865,7 @@
           <a:p>
             <a:fld id="{EBAE6F0D-826F-41C4-985F-786251EE2949}" type="datetimeFigureOut">
               <a:rPr lang="it-IT" smtClean="0"/>
-              <a:t>02/01/2024</a:t>
+              <a:t>03/01/2024</a:t>
             </a:fld>
             <a:endParaRPr lang="it-IT"/>
           </a:p>
@@ -1140,7 +1140,7 @@
           <a:p>
             <a:fld id="{EBAE6F0D-826F-41C4-985F-786251EE2949}" type="datetimeFigureOut">
               <a:rPr lang="it-IT" smtClean="0"/>
-              <a:t>02/01/2024</a:t>
+              <a:t>03/01/2024</a:t>
             </a:fld>
             <a:endParaRPr lang="it-IT"/>
           </a:p>
@@ -1405,7 +1405,7 @@
           <a:p>
             <a:fld id="{EBAE6F0D-826F-41C4-985F-786251EE2949}" type="datetimeFigureOut">
               <a:rPr lang="it-IT" smtClean="0"/>
-              <a:t>02/01/2024</a:t>
+              <a:t>03/01/2024</a:t>
             </a:fld>
             <a:endParaRPr lang="it-IT"/>
           </a:p>
@@ -1817,7 +1817,7 @@
           <a:p>
             <a:fld id="{EBAE6F0D-826F-41C4-985F-786251EE2949}" type="datetimeFigureOut">
               <a:rPr lang="it-IT" smtClean="0"/>
-              <a:t>02/01/2024</a:t>
+              <a:t>03/01/2024</a:t>
             </a:fld>
             <a:endParaRPr lang="it-IT"/>
           </a:p>
@@ -1958,7 +1958,7 @@
           <a:p>
             <a:fld id="{EBAE6F0D-826F-41C4-985F-786251EE2949}" type="datetimeFigureOut">
               <a:rPr lang="it-IT" smtClean="0"/>
-              <a:t>02/01/2024</a:t>
+              <a:t>03/01/2024</a:t>
             </a:fld>
             <a:endParaRPr lang="it-IT"/>
           </a:p>
@@ -2071,7 +2071,7 @@
           <a:p>
             <a:fld id="{EBAE6F0D-826F-41C4-985F-786251EE2949}" type="datetimeFigureOut">
               <a:rPr lang="it-IT" smtClean="0"/>
-              <a:t>02/01/2024</a:t>
+              <a:t>03/01/2024</a:t>
             </a:fld>
             <a:endParaRPr lang="it-IT"/>
           </a:p>
@@ -2382,7 +2382,7 @@
           <a:p>
             <a:fld id="{EBAE6F0D-826F-41C4-985F-786251EE2949}" type="datetimeFigureOut">
               <a:rPr lang="it-IT" smtClean="0"/>
-              <a:t>02/01/2024</a:t>
+              <a:t>03/01/2024</a:t>
             </a:fld>
             <a:endParaRPr lang="it-IT"/>
           </a:p>
@@ -2670,7 +2670,7 @@
           <a:p>
             <a:fld id="{EBAE6F0D-826F-41C4-985F-786251EE2949}" type="datetimeFigureOut">
               <a:rPr lang="it-IT" smtClean="0"/>
-              <a:t>02/01/2024</a:t>
+              <a:t>03/01/2024</a:t>
             </a:fld>
             <a:endParaRPr lang="it-IT"/>
           </a:p>
@@ -2911,7 +2911,7 @@
           <a:p>
             <a:fld id="{EBAE6F0D-826F-41C4-985F-786251EE2949}" type="datetimeFigureOut">
               <a:rPr lang="it-IT" smtClean="0"/>
-              <a:t>02/01/2024</a:t>
+              <a:t>03/01/2024</a:t>
             </a:fld>
             <a:endParaRPr lang="it-IT"/>
           </a:p>
@@ -5969,7 +5969,7 @@
         </p:nvSpPr>
         <p:spPr>
           <a:xfrm>
-            <a:off x="925141" y="2091855"/>
+            <a:off x="925141" y="1809529"/>
             <a:ext cx="1939787" cy="646331"/>
           </a:xfrm>
           <a:prstGeom prst="rect">
@@ -6024,7 +6024,7 @@
         </p:blipFill>
         <p:spPr>
           <a:xfrm>
-            <a:off x="4059054" y="1808968"/>
+            <a:off x="3628955" y="1516232"/>
             <a:ext cx="586593" cy="586593"/>
           </a:xfrm>
           <a:prstGeom prst="rect">
@@ -6046,7 +6046,7 @@
         </p:nvSpPr>
         <p:spPr>
           <a:xfrm>
-            <a:off x="3783823" y="2586804"/>
+            <a:off x="3353724" y="2294068"/>
             <a:ext cx="1194806" cy="461665"/>
           </a:xfrm>
           <a:prstGeom prst="rect">
@@ -6101,7 +6101,7 @@
         </p:blipFill>
         <p:spPr>
           <a:xfrm>
-            <a:off x="4110938" y="2102265"/>
+            <a:off x="3680839" y="1809529"/>
             <a:ext cx="540576" cy="484539"/>
           </a:xfrm>
           <a:prstGeom prst="rect">
@@ -6123,7 +6123,7 @@
         </p:nvSpPr>
         <p:spPr>
           <a:xfrm>
-            <a:off x="925140" y="4576638"/>
+            <a:off x="925141" y="3322203"/>
             <a:ext cx="2037048" cy="646331"/>
           </a:xfrm>
           <a:prstGeom prst="rect">
@@ -6172,7 +6172,7 @@
         </p:blipFill>
         <p:spPr>
           <a:xfrm>
-            <a:off x="4167097" y="4344778"/>
+            <a:off x="3736999" y="3079933"/>
             <a:ext cx="401583" cy="484539"/>
           </a:xfrm>
           <a:prstGeom prst="rect">
@@ -6208,7 +6208,7 @@
         </p:blipFill>
         <p:spPr>
           <a:xfrm>
-            <a:off x="4086835" y="4717938"/>
+            <a:off x="3656737" y="3453093"/>
             <a:ext cx="540576" cy="484539"/>
           </a:xfrm>
           <a:prstGeom prst="rect">
@@ -6230,7 +6230,7 @@
         </p:nvSpPr>
         <p:spPr>
           <a:xfrm>
-            <a:off x="3731956" y="5202477"/>
+            <a:off x="3301858" y="3937632"/>
             <a:ext cx="1194806" cy="646331"/>
           </a:xfrm>
           <a:prstGeom prst="rect">
@@ -6272,9 +6272,9 @@
           <p:nvPr/>
         </p:nvCxnSpPr>
         <p:spPr>
-          <a:xfrm>
-            <a:off x="4872278" y="2388803"/>
-            <a:ext cx="2185560" cy="6758"/>
+          <a:xfrm flipV="1">
+            <a:off x="4442179" y="2083523"/>
+            <a:ext cx="1585741" cy="12544"/>
           </a:xfrm>
           <a:prstGeom prst="straightConnector1">
             <a:avLst/>
@@ -6314,8 +6314,8 @@
         </p:nvCxnSpPr>
         <p:spPr>
           <a:xfrm flipV="1">
-            <a:off x="4872278" y="4933150"/>
-            <a:ext cx="2185560" cy="19949"/>
+            <a:off x="4442180" y="3681273"/>
+            <a:ext cx="1561055" cy="6981"/>
           </a:xfrm>
           <a:prstGeom prst="straightConnector1">
             <a:avLst/>
@@ -6367,7 +6367,7 @@
         </p:blipFill>
         <p:spPr>
           <a:xfrm>
-            <a:off x="7260684" y="1796098"/>
+            <a:off x="6289114" y="1420966"/>
             <a:ext cx="426616" cy="426616"/>
           </a:xfrm>
           <a:prstGeom prst="rect">
@@ -6403,7 +6403,7 @@
         </p:blipFill>
         <p:spPr>
           <a:xfrm>
-            <a:off x="7260684" y="2058729"/>
+            <a:off x="6289114" y="1683597"/>
             <a:ext cx="426616" cy="426616"/>
           </a:xfrm>
           <a:prstGeom prst="rect">
@@ -6439,7 +6439,7 @@
         </p:blipFill>
         <p:spPr>
           <a:xfrm>
-            <a:off x="7260684" y="2269298"/>
+            <a:off x="6289114" y="1894166"/>
             <a:ext cx="426616" cy="426616"/>
           </a:xfrm>
           <a:prstGeom prst="rect">
@@ -6475,7 +6475,7 @@
         </p:blipFill>
         <p:spPr>
           <a:xfrm>
-            <a:off x="7260684" y="4393476"/>
+            <a:off x="6289115" y="3046235"/>
             <a:ext cx="426616" cy="426616"/>
           </a:xfrm>
           <a:prstGeom prst="rect">
@@ -6511,7 +6511,7 @@
         </p:blipFill>
         <p:spPr>
           <a:xfrm>
-            <a:off x="7260684" y="4656107"/>
+            <a:off x="6289115" y="3308866"/>
             <a:ext cx="426616" cy="426616"/>
           </a:xfrm>
           <a:prstGeom prst="rect">
@@ -6547,7 +6547,7 @@
         </p:blipFill>
         <p:spPr>
           <a:xfrm>
-            <a:off x="7260684" y="4866676"/>
+            <a:off x="6289115" y="3519435"/>
             <a:ext cx="426616" cy="426616"/>
           </a:xfrm>
           <a:prstGeom prst="rect">
@@ -6569,7 +6569,7 @@
         </p:nvSpPr>
         <p:spPr>
           <a:xfrm>
-            <a:off x="6896702" y="5293292"/>
+            <a:off x="5925133" y="3946051"/>
             <a:ext cx="1319646" cy="646331"/>
           </a:xfrm>
           <a:prstGeom prst="rect">
@@ -6616,7 +6616,7 @@
         </p:nvSpPr>
         <p:spPr>
           <a:xfrm>
-            <a:off x="5208106" y="2091855"/>
+            <a:off x="4476742" y="1786576"/>
             <a:ext cx="1551178" cy="276999"/>
           </a:xfrm>
           <a:prstGeom prst="rect">
@@ -6632,8 +6632,13 @@
           <a:p>
             <a:r>
               <a:rPr lang="it-IT" sz="1200" dirty="0"/>
-              <a:t>some screen captures</a:t>
-            </a:r>
+              <a:t>some screen </a:t>
+            </a:r>
+            <a:r>
+              <a:rPr lang="it-IT" sz="1050" dirty="0"/>
+              <a:t>captures</a:t>
+            </a:r>
+            <a:endParaRPr lang="it-IT" sz="1200" dirty="0"/>
           </a:p>
         </p:txBody>
       </p:sp>
@@ -6651,8 +6656,8 @@
         </p:nvSpPr>
         <p:spPr>
           <a:xfrm>
-            <a:off x="5168458" y="4606784"/>
-            <a:ext cx="1551178" cy="276999"/>
+            <a:off x="4487483" y="3420959"/>
+            <a:ext cx="1551178" cy="261610"/>
           </a:xfrm>
           <a:prstGeom prst="rect">
             <a:avLst/>
@@ -6666,7 +6671,7 @@
           <a:lstStyle/>
           <a:p>
             <a:r>
-              <a:rPr lang="it-IT" sz="1200" dirty="0"/>
+              <a:rPr lang="it-IT" sz="1050" dirty="0"/>
               <a:t>some screen captures</a:t>
             </a:r>
           </a:p>
@@ -6686,7 +6691,7 @@
         </p:nvSpPr>
         <p:spPr>
           <a:xfrm>
-            <a:off x="6896702" y="2635379"/>
+            <a:off x="5925132" y="2260247"/>
             <a:ext cx="1319646" cy="646331"/>
           </a:xfrm>
           <a:prstGeom prst="rect">
@@ -6719,12 +6724,47 @@
           </a:p>
         </p:txBody>
       </p:sp>
+      <p:sp>
+        <p:nvSpPr>
+          <p:cNvPr id="3" name="CasellaDiTesto 2">
+            <a:extLst>
+              <a:ext uri="{FF2B5EF4-FFF2-40B4-BE49-F238E27FC236}">
+                <a16:creationId xmlns:a16="http://schemas.microsoft.com/office/drawing/2014/main" id="{1ED46BAC-B804-B5F3-0E53-7800CE501076}"/>
+              </a:ext>
+            </a:extLst>
+          </p:cNvPr>
+          <p:cNvSpPr txBox="1"/>
+          <p:nvPr/>
+        </p:nvSpPr>
+        <p:spPr>
+          <a:xfrm>
+            <a:off x="925141" y="5279041"/>
+            <a:ext cx="2037048" cy="369332"/>
+          </a:xfrm>
+          <a:prstGeom prst="rect">
+            <a:avLst/>
+          </a:prstGeom>
+          <a:noFill/>
+        </p:spPr>
+        <p:txBody>
+          <a:bodyPr wrap="square" rtlCol="0">
+            <a:spAutoFit/>
+          </a:bodyPr>
+          <a:lstStyle/>
+          <a:p>
+            <a:r>
+              <a:rPr lang="it-IT" b="1" dirty="0"/>
+              <a:t>Realizzazione</a:t>
+            </a:r>
+          </a:p>
+        </p:txBody>
+      </p:sp>
       <p:pic>
         <p:nvPicPr>
-          <p:cNvPr id="38" name="Immagine 37" descr="Immagine che contiene testo, schermata, Elementi grafici, Carattere&#10;&#10;Descrizione generata automaticamente">
-            <a:extLst>
-              <a:ext uri="{FF2B5EF4-FFF2-40B4-BE49-F238E27FC236}">
-                <a16:creationId xmlns:a16="http://schemas.microsoft.com/office/drawing/2014/main" id="{84EE2115-ED30-FAD3-958E-817BD2AF5560}"/>
+          <p:cNvPr id="10" name="Immagine 9" descr="Immagine che contiene testo, schermata, Elementi grafici, Carattere&#10;&#10;Descrizione generata automaticamente">
+            <a:extLst>
+              <a:ext uri="{FF2B5EF4-FFF2-40B4-BE49-F238E27FC236}">
+                <a16:creationId xmlns:a16="http://schemas.microsoft.com/office/drawing/2014/main" id="{6E4C9E17-D8B5-EC27-5FEC-520CD058CF77}"/>
               </a:ext>
             </a:extLst>
           </p:cNvPr>
@@ -6747,8 +6787,8 @@
         </p:blipFill>
         <p:spPr>
           <a:xfrm>
-            <a:off x="9509354" y="3429000"/>
-            <a:ext cx="1129068" cy="1129068"/>
+            <a:off x="3500837" y="4898993"/>
+            <a:ext cx="866869" cy="866869"/>
           </a:xfrm>
           <a:prstGeom prst="rect">
             <a:avLst/>
@@ -6757,10 +6797,10 @@
       </p:pic>
       <p:sp>
         <p:nvSpPr>
-          <p:cNvPr id="39" name="CasellaDiTesto 38">
-            <a:extLst>
-              <a:ext uri="{FF2B5EF4-FFF2-40B4-BE49-F238E27FC236}">
-                <a16:creationId xmlns:a16="http://schemas.microsoft.com/office/drawing/2014/main" id="{B4F41556-4C09-9390-9B32-19CA4394BB59}"/>
+          <p:cNvPr id="14" name="CasellaDiTesto 13">
+            <a:extLst>
+              <a:ext uri="{FF2B5EF4-FFF2-40B4-BE49-F238E27FC236}">
+                <a16:creationId xmlns:a16="http://schemas.microsoft.com/office/drawing/2014/main" id="{4E0440A4-AF2A-487E-0573-BE9565D81B7F}"/>
               </a:ext>
             </a:extLst>
           </p:cNvPr>
@@ -6769,8 +6809,8 @@
         </p:nvSpPr>
         <p:spPr>
           <a:xfrm>
-            <a:off x="9849023" y="4405388"/>
-            <a:ext cx="620176" cy="279800"/>
+            <a:off x="3695381" y="5648373"/>
+            <a:ext cx="672325" cy="276999"/>
           </a:xfrm>
           <a:prstGeom prst="rect">
             <a:avLst/>
@@ -6790,6 +6830,300 @@
           </a:p>
         </p:txBody>
       </p:sp>
+      <p:pic>
+        <p:nvPicPr>
+          <p:cNvPr id="15" name="Immagine 14" descr="Immagine che contiene logo, simbolo, Carattere, cerchio&#10;&#10;Descrizione generata automaticamente">
+            <a:extLst>
+              <a:ext uri="{FF2B5EF4-FFF2-40B4-BE49-F238E27FC236}">
+                <a16:creationId xmlns:a16="http://schemas.microsoft.com/office/drawing/2014/main" id="{5093D021-8934-2523-E977-A726183FA061}"/>
+              </a:ext>
+            </a:extLst>
+          </p:cNvPr>
+          <p:cNvPicPr>
+            <a:picLocks noChangeAspect="1"/>
+          </p:cNvPicPr>
+          <p:nvPr/>
+        </p:nvPicPr>
+        <p:blipFill>
+          <a:blip r:embed="rId7">
+            <a:extLst>
+              <a:ext uri="{28A0092B-C50C-407E-A947-70E740481C1C}">
+                <a14:useLocalDpi xmlns:a14="http://schemas.microsoft.com/office/drawing/2010/main" val="0"/>
+              </a:ext>
+            </a:extLst>
+          </a:blip>
+          <a:stretch>
+            <a:fillRect/>
+          </a:stretch>
+        </p:blipFill>
+        <p:spPr>
+          <a:xfrm>
+            <a:off x="6196202" y="5041369"/>
+            <a:ext cx="646331" cy="646331"/>
+          </a:xfrm>
+          <a:prstGeom prst="rect">
+            <a:avLst/>
+          </a:prstGeom>
+        </p:spPr>
+      </p:pic>
+      <p:sp>
+        <p:nvSpPr>
+          <p:cNvPr id="17" name="CasellaDiTesto 16">
+            <a:extLst>
+              <a:ext uri="{FF2B5EF4-FFF2-40B4-BE49-F238E27FC236}">
+                <a16:creationId xmlns:a16="http://schemas.microsoft.com/office/drawing/2014/main" id="{0E111DAD-2A93-300D-A880-4C25361BC37F}"/>
+              </a:ext>
+            </a:extLst>
+          </p:cNvPr>
+          <p:cNvSpPr txBox="1"/>
+          <p:nvPr/>
+        </p:nvSpPr>
+        <p:spPr>
+          <a:xfrm>
+            <a:off x="5992515" y="5688564"/>
+            <a:ext cx="1094364" cy="276999"/>
+          </a:xfrm>
+          <a:prstGeom prst="rect">
+            <a:avLst/>
+          </a:prstGeom>
+          <a:noFill/>
+        </p:spPr>
+        <p:txBody>
+          <a:bodyPr wrap="square" rtlCol="0">
+            <a:spAutoFit/>
+          </a:bodyPr>
+          <a:lstStyle/>
+          <a:p>
+            <a:r>
+              <a:rPr lang="it-IT" sz="1200" dirty="0"/>
+              <a:t>data_test.csv</a:t>
+            </a:r>
+          </a:p>
+        </p:txBody>
+      </p:sp>
+      <p:pic>
+        <p:nvPicPr>
+          <p:cNvPr id="20" name="Immagine 19" descr="Immagine che contiene logo, clipart, Elementi grafici, design&#10;&#10;Descrizione generata automaticamente">
+            <a:extLst>
+              <a:ext uri="{FF2B5EF4-FFF2-40B4-BE49-F238E27FC236}">
+                <a16:creationId xmlns:a16="http://schemas.microsoft.com/office/drawing/2014/main" id="{DB29C0F4-2A79-FA31-BB84-DE2E0BF1CF30}"/>
+              </a:ext>
+            </a:extLst>
+          </p:cNvPr>
+          <p:cNvPicPr>
+            <a:picLocks noChangeAspect="1"/>
+          </p:cNvPicPr>
+          <p:nvPr/>
+        </p:nvPicPr>
+        <p:blipFill>
+          <a:blip r:embed="rId8">
+            <a:extLst>
+              <a:ext uri="{28A0092B-C50C-407E-A947-70E740481C1C}">
+                <a14:useLocalDpi xmlns:a14="http://schemas.microsoft.com/office/drawing/2010/main" val="0"/>
+              </a:ext>
+            </a:extLst>
+          </a:blip>
+          <a:stretch>
+            <a:fillRect/>
+          </a:stretch>
+        </p:blipFill>
+        <p:spPr>
+          <a:xfrm>
+            <a:off x="8648762" y="5036693"/>
+            <a:ext cx="661383" cy="661383"/>
+          </a:xfrm>
+          <a:prstGeom prst="rect">
+            <a:avLst/>
+          </a:prstGeom>
+        </p:spPr>
+      </p:pic>
+      <p:sp>
+        <p:nvSpPr>
+          <p:cNvPr id="21" name="CasellaDiTesto 20">
+            <a:extLst>
+              <a:ext uri="{FF2B5EF4-FFF2-40B4-BE49-F238E27FC236}">
+                <a16:creationId xmlns:a16="http://schemas.microsoft.com/office/drawing/2014/main" id="{3C40FCD0-B9CB-3577-B42D-42DEAEA8A591}"/>
+              </a:ext>
+            </a:extLst>
+          </p:cNvPr>
+          <p:cNvSpPr txBox="1"/>
+          <p:nvPr/>
+        </p:nvSpPr>
+        <p:spPr>
+          <a:xfrm>
+            <a:off x="8379451" y="5698076"/>
+            <a:ext cx="1539617" cy="276999"/>
+          </a:xfrm>
+          <a:prstGeom prst="rect">
+            <a:avLst/>
+          </a:prstGeom>
+          <a:noFill/>
+        </p:spPr>
+        <p:txBody>
+          <a:bodyPr wrap="square" rtlCol="0">
+            <a:spAutoFit/>
+          </a:bodyPr>
+          <a:lstStyle/>
+          <a:p>
+            <a:r>
+              <a:rPr lang="it-IT" sz="1200" dirty="0"/>
+              <a:t>analyse_data_test.py</a:t>
+            </a:r>
+          </a:p>
+        </p:txBody>
+      </p:sp>
+      <p:cxnSp>
+        <p:nvCxnSpPr>
+          <p:cNvPr id="25" name="Connettore 2 24">
+            <a:extLst>
+              <a:ext uri="{FF2B5EF4-FFF2-40B4-BE49-F238E27FC236}">
+                <a16:creationId xmlns:a16="http://schemas.microsoft.com/office/drawing/2014/main" id="{22590F75-4A88-6019-2EB7-1C805BD0400A}"/>
+              </a:ext>
+            </a:extLst>
+          </p:cNvPr>
+          <p:cNvCxnSpPr>
+            <a:cxnSpLocks/>
+          </p:cNvCxnSpPr>
+          <p:nvPr/>
+        </p:nvCxnSpPr>
+        <p:spPr>
+          <a:xfrm flipV="1">
+            <a:off x="4452898" y="5319377"/>
+            <a:ext cx="1539617" cy="1055"/>
+          </a:xfrm>
+          <a:prstGeom prst="straightConnector1">
+            <a:avLst/>
+          </a:prstGeom>
+          <a:ln w="28575">
+            <a:tailEnd type="triangle"/>
+          </a:ln>
+        </p:spPr>
+        <p:style>
+          <a:lnRef idx="3">
+            <a:schemeClr val="dk1"/>
+          </a:lnRef>
+          <a:fillRef idx="0">
+            <a:schemeClr val="dk1"/>
+          </a:fillRef>
+          <a:effectRef idx="2">
+            <a:schemeClr val="dk1"/>
+          </a:effectRef>
+          <a:fontRef idx="minor">
+            <a:schemeClr val="tx1"/>
+          </a:fontRef>
+        </p:style>
+      </p:cxnSp>
+      <p:sp>
+        <p:nvSpPr>
+          <p:cNvPr id="27" name="CasellaDiTesto 26">
+            <a:extLst>
+              <a:ext uri="{FF2B5EF4-FFF2-40B4-BE49-F238E27FC236}">
+                <a16:creationId xmlns:a16="http://schemas.microsoft.com/office/drawing/2014/main" id="{E3B29FA5-E77F-E5F5-B8F0-692B17E82C86}"/>
+              </a:ext>
+            </a:extLst>
+          </p:cNvPr>
+          <p:cNvSpPr txBox="1"/>
+          <p:nvPr/>
+        </p:nvSpPr>
+        <p:spPr>
+          <a:xfrm>
+            <a:off x="4693747" y="5036693"/>
+            <a:ext cx="858880" cy="276999"/>
+          </a:xfrm>
+          <a:prstGeom prst="rect">
+            <a:avLst/>
+          </a:prstGeom>
+          <a:noFill/>
+        </p:spPr>
+        <p:txBody>
+          <a:bodyPr wrap="square" rtlCol="0">
+            <a:spAutoFit/>
+          </a:bodyPr>
+          <a:lstStyle/>
+          <a:p>
+            <a:r>
+              <a:rPr lang="it-IT" sz="1200" dirty="0"/>
+              <a:t>generates</a:t>
+            </a:r>
+          </a:p>
+        </p:txBody>
+      </p:sp>
+      <p:sp>
+        <p:nvSpPr>
+          <p:cNvPr id="33" name="CasellaDiTesto 32">
+            <a:extLst>
+              <a:ext uri="{FF2B5EF4-FFF2-40B4-BE49-F238E27FC236}">
+                <a16:creationId xmlns:a16="http://schemas.microsoft.com/office/drawing/2014/main" id="{9382F981-40DB-3EDA-169A-8385F97816B3}"/>
+              </a:ext>
+            </a:extLst>
+          </p:cNvPr>
+          <p:cNvSpPr txBox="1"/>
+          <p:nvPr/>
+        </p:nvSpPr>
+        <p:spPr>
+          <a:xfrm>
+            <a:off x="7381123" y="5076954"/>
+            <a:ext cx="1064978" cy="276999"/>
+          </a:xfrm>
+          <a:prstGeom prst="rect">
+            <a:avLst/>
+          </a:prstGeom>
+          <a:noFill/>
+        </p:spPr>
+        <p:txBody>
+          <a:bodyPr wrap="square" rtlCol="0">
+            <a:spAutoFit/>
+          </a:bodyPr>
+          <a:lstStyle/>
+          <a:p>
+            <a:r>
+              <a:rPr lang="it-IT" sz="1200" dirty="0"/>
+              <a:t>is analysed by</a:t>
+            </a:r>
+          </a:p>
+        </p:txBody>
+      </p:sp>
+      <p:cxnSp>
+        <p:nvCxnSpPr>
+          <p:cNvPr id="42" name="Connettore 2 41">
+            <a:extLst>
+              <a:ext uri="{FF2B5EF4-FFF2-40B4-BE49-F238E27FC236}">
+                <a16:creationId xmlns:a16="http://schemas.microsoft.com/office/drawing/2014/main" id="{3B63CED5-66AD-A041-B92C-A77D697826A8}"/>
+              </a:ext>
+            </a:extLst>
+          </p:cNvPr>
+          <p:cNvCxnSpPr>
+            <a:cxnSpLocks/>
+          </p:cNvCxnSpPr>
+          <p:nvPr/>
+        </p:nvCxnSpPr>
+        <p:spPr>
+          <a:xfrm flipV="1">
+            <a:off x="7109145" y="5337774"/>
+            <a:ext cx="1539617" cy="1055"/>
+          </a:xfrm>
+          <a:prstGeom prst="straightConnector1">
+            <a:avLst/>
+          </a:prstGeom>
+          <a:ln w="28575">
+            <a:tailEnd type="triangle"/>
+          </a:ln>
+        </p:spPr>
+        <p:style>
+          <a:lnRef idx="3">
+            <a:schemeClr val="dk1"/>
+          </a:lnRef>
+          <a:fillRef idx="0">
+            <a:schemeClr val="dk1"/>
+          </a:fillRef>
+          <a:effectRef idx="2">
+            <a:schemeClr val="dk1"/>
+          </a:effectRef>
+          <a:fontRef idx="minor">
+            <a:schemeClr val="tx1"/>
+          </a:fontRef>
+        </p:style>
+      </p:cxnSp>
     </p:spTree>
     <p:extLst>
       <p:ext uri="{BB962C8B-B14F-4D97-AF65-F5344CB8AC3E}">

--- a/RESUME_FILE.pptx
+++ b/RESUME_FILE.pptx
@@ -261,7 +261,7 @@
           <a:p>
             <a:fld id="{EBAE6F0D-826F-41C4-985F-786251EE2949}" type="datetimeFigureOut">
               <a:rPr lang="it-IT" smtClean="0"/>
-              <a:t>03/01/2024</a:t>
+              <a:t>04/01/2024</a:t>
             </a:fld>
             <a:endParaRPr lang="it-IT"/>
           </a:p>
@@ -459,7 +459,7 @@
           <a:p>
             <a:fld id="{EBAE6F0D-826F-41C4-985F-786251EE2949}" type="datetimeFigureOut">
               <a:rPr lang="it-IT" smtClean="0"/>
-              <a:t>03/01/2024</a:t>
+              <a:t>04/01/2024</a:t>
             </a:fld>
             <a:endParaRPr lang="it-IT"/>
           </a:p>
@@ -667,7 +667,7 @@
           <a:p>
             <a:fld id="{EBAE6F0D-826F-41C4-985F-786251EE2949}" type="datetimeFigureOut">
               <a:rPr lang="it-IT" smtClean="0"/>
-              <a:t>03/01/2024</a:t>
+              <a:t>04/01/2024</a:t>
             </a:fld>
             <a:endParaRPr lang="it-IT"/>
           </a:p>
@@ -865,7 +865,7 @@
           <a:p>
             <a:fld id="{EBAE6F0D-826F-41C4-985F-786251EE2949}" type="datetimeFigureOut">
               <a:rPr lang="it-IT" smtClean="0"/>
-              <a:t>03/01/2024</a:t>
+              <a:t>04/01/2024</a:t>
             </a:fld>
             <a:endParaRPr lang="it-IT"/>
           </a:p>
@@ -1140,7 +1140,7 @@
           <a:p>
             <a:fld id="{EBAE6F0D-826F-41C4-985F-786251EE2949}" type="datetimeFigureOut">
               <a:rPr lang="it-IT" smtClean="0"/>
-              <a:t>03/01/2024</a:t>
+              <a:t>04/01/2024</a:t>
             </a:fld>
             <a:endParaRPr lang="it-IT"/>
           </a:p>
@@ -1405,7 +1405,7 @@
           <a:p>
             <a:fld id="{EBAE6F0D-826F-41C4-985F-786251EE2949}" type="datetimeFigureOut">
               <a:rPr lang="it-IT" smtClean="0"/>
-              <a:t>03/01/2024</a:t>
+              <a:t>04/01/2024</a:t>
             </a:fld>
             <a:endParaRPr lang="it-IT"/>
           </a:p>
@@ -1817,7 +1817,7 @@
           <a:p>
             <a:fld id="{EBAE6F0D-826F-41C4-985F-786251EE2949}" type="datetimeFigureOut">
               <a:rPr lang="it-IT" smtClean="0"/>
-              <a:t>03/01/2024</a:t>
+              <a:t>04/01/2024</a:t>
             </a:fld>
             <a:endParaRPr lang="it-IT"/>
           </a:p>
@@ -1958,7 +1958,7 @@
           <a:p>
             <a:fld id="{EBAE6F0D-826F-41C4-985F-786251EE2949}" type="datetimeFigureOut">
               <a:rPr lang="it-IT" smtClean="0"/>
-              <a:t>03/01/2024</a:t>
+              <a:t>04/01/2024</a:t>
             </a:fld>
             <a:endParaRPr lang="it-IT"/>
           </a:p>
@@ -2071,7 +2071,7 @@
           <a:p>
             <a:fld id="{EBAE6F0D-826F-41C4-985F-786251EE2949}" type="datetimeFigureOut">
               <a:rPr lang="it-IT" smtClean="0"/>
-              <a:t>03/01/2024</a:t>
+              <a:t>04/01/2024</a:t>
             </a:fld>
             <a:endParaRPr lang="it-IT"/>
           </a:p>
@@ -2382,7 +2382,7 @@
           <a:p>
             <a:fld id="{EBAE6F0D-826F-41C4-985F-786251EE2949}" type="datetimeFigureOut">
               <a:rPr lang="it-IT" smtClean="0"/>
-              <a:t>03/01/2024</a:t>
+              <a:t>04/01/2024</a:t>
             </a:fld>
             <a:endParaRPr lang="it-IT"/>
           </a:p>
@@ -2670,7 +2670,7 @@
           <a:p>
             <a:fld id="{EBAE6F0D-826F-41C4-985F-786251EE2949}" type="datetimeFigureOut">
               <a:rPr lang="it-IT" smtClean="0"/>
-              <a:t>03/01/2024</a:t>
+              <a:t>04/01/2024</a:t>
             </a:fld>
             <a:endParaRPr lang="it-IT"/>
           </a:p>
@@ -2911,7 +2911,7 @@
           <a:p>
             <a:fld id="{EBAE6F0D-826F-41C4-985F-786251EE2949}" type="datetimeFigureOut">
               <a:rPr lang="it-IT" smtClean="0"/>
-              <a:t>03/01/2024</a:t>
+              <a:t>04/01/2024</a:t>
             </a:fld>
             <a:endParaRPr lang="it-IT"/>
           </a:p>
@@ -6139,7 +6139,7 @@
           <a:p>
             <a:r>
               <a:rPr lang="it-IT" b="1" dirty="0"/>
-              <a:t>Test in anello chiuso</a:t>
+              <a:t>Test  Simulink in anello chiuso</a:t>
             </a:r>
           </a:p>
         </p:txBody>

--- a/RESUME_FILE.pptx
+++ b/RESUME_FILE.pptx
@@ -261,7 +261,7 @@
           <a:p>
             <a:fld id="{EBAE6F0D-826F-41C4-985F-786251EE2949}" type="datetimeFigureOut">
               <a:rPr lang="it-IT" smtClean="0"/>
-              <a:t>04/01/2024</a:t>
+              <a:t>08/01/2024</a:t>
             </a:fld>
             <a:endParaRPr lang="it-IT"/>
           </a:p>
@@ -459,7 +459,7 @@
           <a:p>
             <a:fld id="{EBAE6F0D-826F-41C4-985F-786251EE2949}" type="datetimeFigureOut">
               <a:rPr lang="it-IT" smtClean="0"/>
-              <a:t>04/01/2024</a:t>
+              <a:t>08/01/2024</a:t>
             </a:fld>
             <a:endParaRPr lang="it-IT"/>
           </a:p>
@@ -667,7 +667,7 @@
           <a:p>
             <a:fld id="{EBAE6F0D-826F-41C4-985F-786251EE2949}" type="datetimeFigureOut">
               <a:rPr lang="it-IT" smtClean="0"/>
-              <a:t>04/01/2024</a:t>
+              <a:t>08/01/2024</a:t>
             </a:fld>
             <a:endParaRPr lang="it-IT"/>
           </a:p>
@@ -865,7 +865,7 @@
           <a:p>
             <a:fld id="{EBAE6F0D-826F-41C4-985F-786251EE2949}" type="datetimeFigureOut">
               <a:rPr lang="it-IT" smtClean="0"/>
-              <a:t>04/01/2024</a:t>
+              <a:t>08/01/2024</a:t>
             </a:fld>
             <a:endParaRPr lang="it-IT"/>
           </a:p>
@@ -1140,7 +1140,7 @@
           <a:p>
             <a:fld id="{EBAE6F0D-826F-41C4-985F-786251EE2949}" type="datetimeFigureOut">
               <a:rPr lang="it-IT" smtClean="0"/>
-              <a:t>04/01/2024</a:t>
+              <a:t>08/01/2024</a:t>
             </a:fld>
             <a:endParaRPr lang="it-IT"/>
           </a:p>
@@ -1405,7 +1405,7 @@
           <a:p>
             <a:fld id="{EBAE6F0D-826F-41C4-985F-786251EE2949}" type="datetimeFigureOut">
               <a:rPr lang="it-IT" smtClean="0"/>
-              <a:t>04/01/2024</a:t>
+              <a:t>08/01/2024</a:t>
             </a:fld>
             <a:endParaRPr lang="it-IT"/>
           </a:p>
@@ -1817,7 +1817,7 @@
           <a:p>
             <a:fld id="{EBAE6F0D-826F-41C4-985F-786251EE2949}" type="datetimeFigureOut">
               <a:rPr lang="it-IT" smtClean="0"/>
-              <a:t>04/01/2024</a:t>
+              <a:t>08/01/2024</a:t>
             </a:fld>
             <a:endParaRPr lang="it-IT"/>
           </a:p>
@@ -1958,7 +1958,7 @@
           <a:p>
             <a:fld id="{EBAE6F0D-826F-41C4-985F-786251EE2949}" type="datetimeFigureOut">
               <a:rPr lang="it-IT" smtClean="0"/>
-              <a:t>04/01/2024</a:t>
+              <a:t>08/01/2024</a:t>
             </a:fld>
             <a:endParaRPr lang="it-IT"/>
           </a:p>
@@ -2071,7 +2071,7 @@
           <a:p>
             <a:fld id="{EBAE6F0D-826F-41C4-985F-786251EE2949}" type="datetimeFigureOut">
               <a:rPr lang="it-IT" smtClean="0"/>
-              <a:t>04/01/2024</a:t>
+              <a:t>08/01/2024</a:t>
             </a:fld>
             <a:endParaRPr lang="it-IT"/>
           </a:p>
@@ -2382,7 +2382,7 @@
           <a:p>
             <a:fld id="{EBAE6F0D-826F-41C4-985F-786251EE2949}" type="datetimeFigureOut">
               <a:rPr lang="it-IT" smtClean="0"/>
-              <a:t>04/01/2024</a:t>
+              <a:t>08/01/2024</a:t>
             </a:fld>
             <a:endParaRPr lang="it-IT"/>
           </a:p>
@@ -2670,7 +2670,7 @@
           <a:p>
             <a:fld id="{EBAE6F0D-826F-41C4-985F-786251EE2949}" type="datetimeFigureOut">
               <a:rPr lang="it-IT" smtClean="0"/>
-              <a:t>04/01/2024</a:t>
+              <a:t>08/01/2024</a:t>
             </a:fld>
             <a:endParaRPr lang="it-IT"/>
           </a:p>
@@ -2911,7 +2911,7 @@
           <a:p>
             <a:fld id="{EBAE6F0D-826F-41C4-985F-786251EE2949}" type="datetimeFigureOut">
               <a:rPr lang="it-IT" smtClean="0"/>
-              <a:t>04/01/2024</a:t>
+              <a:t>08/01/2024</a:t>
             </a:fld>
             <a:endParaRPr lang="it-IT"/>
           </a:p>
@@ -3356,7 +3356,7 @@
         </p:blipFill>
         <p:spPr>
           <a:xfrm>
-            <a:off x="9206824" y="2043435"/>
+            <a:off x="8915276" y="2030183"/>
             <a:ext cx="426616" cy="426616"/>
           </a:xfrm>
           <a:prstGeom prst="rect">
@@ -3392,7 +3392,7 @@
         </p:blipFill>
         <p:spPr>
           <a:xfrm>
-            <a:off x="3154965" y="2060834"/>
+            <a:off x="2863417" y="2047582"/>
             <a:ext cx="716885" cy="716885"/>
           </a:xfrm>
           <a:prstGeom prst="rect">
@@ -3414,7 +3414,7 @@
         </p:nvSpPr>
         <p:spPr>
           <a:xfrm>
-            <a:off x="1102049" y="2096030"/>
+            <a:off x="810501" y="2082778"/>
             <a:ext cx="1463157" cy="707886"/>
           </a:xfrm>
           <a:prstGeom prst="rect">
@@ -3455,7 +3455,7 @@
         </p:nvSpPr>
         <p:spPr>
           <a:xfrm>
-            <a:off x="1102049" y="4066565"/>
+            <a:off x="810501" y="4053313"/>
             <a:ext cx="1447769" cy="1015663"/>
           </a:xfrm>
           <a:prstGeom prst="rect">
@@ -3502,7 +3502,7 @@
         </p:nvSpPr>
         <p:spPr>
           <a:xfrm>
-            <a:off x="2941161" y="2810235"/>
+            <a:off x="2649613" y="2796983"/>
             <a:ext cx="1241918" cy="276999"/>
           </a:xfrm>
           <a:prstGeom prst="rect">
@@ -3551,7 +3551,7 @@
         </p:blipFill>
         <p:spPr>
           <a:xfrm>
-            <a:off x="3154965" y="4276620"/>
+            <a:off x="2863417" y="4263368"/>
             <a:ext cx="716885" cy="716885"/>
           </a:xfrm>
           <a:prstGeom prst="rect">
@@ -3573,7 +3573,7 @@
         </p:nvSpPr>
         <p:spPr>
           <a:xfrm>
-            <a:off x="2683776" y="5047009"/>
+            <a:off x="2392228" y="5033757"/>
             <a:ext cx="1562069" cy="276999"/>
           </a:xfrm>
           <a:prstGeom prst="rect">
@@ -3622,7 +3622,7 @@
         </p:blipFill>
         <p:spPr>
           <a:xfrm>
-            <a:off x="5286203" y="2053074"/>
+            <a:off x="4994655" y="2039822"/>
             <a:ext cx="464220" cy="464220"/>
           </a:xfrm>
           <a:prstGeom prst="rect">
@@ -3658,7 +3658,7 @@
         </p:blipFill>
         <p:spPr>
           <a:xfrm>
-            <a:off x="5286201" y="2380819"/>
+            <a:off x="4994653" y="2367567"/>
             <a:ext cx="464221" cy="464221"/>
           </a:xfrm>
           <a:prstGeom prst="rect">
@@ -3680,7 +3680,7 @@
         </p:nvSpPr>
         <p:spPr>
           <a:xfrm>
-            <a:off x="4993470" y="2849030"/>
+            <a:off x="4701922" y="2835778"/>
             <a:ext cx="1312997" cy="276999"/>
           </a:xfrm>
           <a:prstGeom prst="rect">
@@ -3729,7 +3729,7 @@
         </p:blipFill>
         <p:spPr>
           <a:xfrm>
-            <a:off x="7120181" y="2143553"/>
+            <a:off x="6828633" y="2130301"/>
             <a:ext cx="716885" cy="716885"/>
           </a:xfrm>
           <a:prstGeom prst="rect">
@@ -3751,7 +3751,7 @@
         </p:nvSpPr>
         <p:spPr>
           <a:xfrm>
-            <a:off x="7053845" y="2862819"/>
+            <a:off x="6762297" y="2849567"/>
             <a:ext cx="993323" cy="276999"/>
           </a:xfrm>
           <a:prstGeom prst="rect">
@@ -3800,7 +3800,7 @@
         </p:blipFill>
         <p:spPr>
           <a:xfrm>
-            <a:off x="5219677" y="4349869"/>
+            <a:off x="4928129" y="4336617"/>
             <a:ext cx="483488" cy="432714"/>
           </a:xfrm>
           <a:prstGeom prst="rect">
@@ -3822,7 +3822,7 @@
         </p:nvSpPr>
         <p:spPr>
           <a:xfrm>
-            <a:off x="4993470" y="5044640"/>
+            <a:off x="4701922" y="5031388"/>
             <a:ext cx="1312998" cy="646331"/>
           </a:xfrm>
           <a:prstGeom prst="rect">
@@ -3871,7 +3871,7 @@
         </p:blipFill>
         <p:spPr>
           <a:xfrm>
-            <a:off x="9206824" y="2306066"/>
+            <a:off x="8915276" y="2292814"/>
             <a:ext cx="426616" cy="426616"/>
           </a:xfrm>
           <a:prstGeom prst="rect">
@@ -3893,7 +3893,7 @@
         </p:nvSpPr>
         <p:spPr>
           <a:xfrm>
-            <a:off x="8794546" y="2970191"/>
+            <a:off x="8502998" y="2956939"/>
             <a:ext cx="1181675" cy="461665"/>
           </a:xfrm>
           <a:prstGeom prst="rect">
@@ -3942,7 +3942,7 @@
         </p:blipFill>
         <p:spPr>
           <a:xfrm>
-            <a:off x="9206824" y="2516635"/>
+            <a:off x="8915276" y="2503383"/>
             <a:ext cx="426616" cy="426616"/>
           </a:xfrm>
           <a:prstGeom prst="rect">
@@ -3966,7 +3966,7 @@
         </p:nvCxnSpPr>
         <p:spPr>
           <a:xfrm>
-            <a:off x="7924533" y="2609717"/>
+            <a:off x="7632985" y="2596465"/>
             <a:ext cx="1133972" cy="0"/>
           </a:xfrm>
           <a:prstGeom prst="straightConnector1">
@@ -4007,7 +4007,7 @@
         </p:nvCxnSpPr>
         <p:spPr>
           <a:xfrm>
-            <a:off x="3914446" y="4725556"/>
+            <a:off x="3622898" y="4712304"/>
             <a:ext cx="1133972" cy="0"/>
           </a:xfrm>
           <a:prstGeom prst="straightConnector1">
@@ -4046,7 +4046,7 @@
         </p:nvSpPr>
         <p:spPr>
           <a:xfrm>
-            <a:off x="4098299" y="2263622"/>
+            <a:off x="3806751" y="2250370"/>
             <a:ext cx="1031940" cy="276999"/>
           </a:xfrm>
           <a:prstGeom prst="rect">
@@ -4081,7 +4081,7 @@
         </p:nvSpPr>
         <p:spPr>
           <a:xfrm>
-            <a:off x="8060586" y="2302258"/>
+            <a:off x="7769038" y="2289006"/>
             <a:ext cx="888446" cy="276999"/>
           </a:xfrm>
           <a:prstGeom prst="rect">
@@ -4116,7 +4116,7 @@
         </p:nvSpPr>
         <p:spPr>
           <a:xfrm>
-            <a:off x="5890692" y="2274213"/>
+            <a:off x="5599144" y="2260961"/>
             <a:ext cx="1231286" cy="276999"/>
           </a:xfrm>
           <a:prstGeom prst="rect">
@@ -4151,7 +4151,7 @@
         </p:nvSpPr>
         <p:spPr>
           <a:xfrm>
-            <a:off x="3837171" y="4384453"/>
+            <a:off x="3545623" y="4371201"/>
             <a:ext cx="1312997" cy="646331"/>
           </a:xfrm>
           <a:prstGeom prst="rect">
@@ -4306,7 +4306,7 @@
         </p:blipFill>
         <p:spPr>
           <a:xfrm>
-            <a:off x="5192199" y="4590150"/>
+            <a:off x="4900651" y="4576898"/>
             <a:ext cx="518692" cy="464221"/>
           </a:xfrm>
           <a:prstGeom prst="rect">
@@ -4342,7 +4342,7 @@
         </p:blipFill>
         <p:spPr>
           <a:xfrm>
-            <a:off x="7112802" y="4319194"/>
+            <a:off x="6821254" y="4305942"/>
             <a:ext cx="716885" cy="716885"/>
           </a:xfrm>
           <a:prstGeom prst="rect">
@@ -4366,7 +4366,7 @@
         </p:nvCxnSpPr>
         <p:spPr>
           <a:xfrm>
-            <a:off x="5804646" y="4782583"/>
+            <a:off x="5513098" y="4769331"/>
             <a:ext cx="1249199" cy="0"/>
           </a:xfrm>
           <a:prstGeom prst="straightConnector1">
@@ -4405,7 +4405,7 @@
         </p:nvSpPr>
         <p:spPr>
           <a:xfrm>
-            <a:off x="5894416" y="4400638"/>
+            <a:off x="5602868" y="4387386"/>
             <a:ext cx="1074123" cy="276999"/>
           </a:xfrm>
           <a:prstGeom prst="rect">
@@ -4440,7 +4440,7 @@
         </p:nvSpPr>
         <p:spPr>
           <a:xfrm>
-            <a:off x="6967799" y="5030784"/>
+            <a:off x="6676251" y="5017532"/>
             <a:ext cx="1446445" cy="276999"/>
           </a:xfrm>
           <a:prstGeom prst="rect">
@@ -4489,7 +4489,7 @@
         </p:blipFill>
         <p:spPr>
           <a:xfrm>
-            <a:off x="9172620" y="4395645"/>
+            <a:off x="8881072" y="4382393"/>
             <a:ext cx="426616" cy="426616"/>
           </a:xfrm>
           <a:prstGeom prst="rect">
@@ -4525,7 +4525,7 @@
         </p:blipFill>
         <p:spPr>
           <a:xfrm>
-            <a:off x="9187008" y="4633206"/>
+            <a:off x="8895460" y="4619954"/>
             <a:ext cx="426616" cy="426616"/>
           </a:xfrm>
           <a:prstGeom prst="rect">
@@ -4547,7 +4547,7 @@
         </p:nvSpPr>
         <p:spPr>
           <a:xfrm>
-            <a:off x="8750120" y="5040061"/>
+            <a:off x="8458572" y="5026809"/>
             <a:ext cx="1541633" cy="461665"/>
           </a:xfrm>
           <a:prstGeom prst="rect">
@@ -4590,7 +4590,7 @@
         </p:nvCxnSpPr>
         <p:spPr>
           <a:xfrm>
-            <a:off x="7946109" y="4748023"/>
+            <a:off x="7654561" y="4734771"/>
             <a:ext cx="1133972" cy="0"/>
           </a:xfrm>
           <a:prstGeom prst="straightConnector1">
@@ -4629,7 +4629,7 @@
         </p:nvSpPr>
         <p:spPr>
           <a:xfrm>
-            <a:off x="8122591" y="4449566"/>
+            <a:off x="7831043" y="4436314"/>
             <a:ext cx="817186" cy="276999"/>
           </a:xfrm>
           <a:prstGeom prst="rect">
@@ -4666,7 +4666,7 @@
         </p:nvCxnSpPr>
         <p:spPr>
           <a:xfrm>
-            <a:off x="5924489" y="2578580"/>
+            <a:off x="5632941" y="2565328"/>
             <a:ext cx="1133972" cy="0"/>
           </a:xfrm>
           <a:prstGeom prst="straightConnector1">
@@ -4707,7 +4707,7 @@
         </p:nvCxnSpPr>
         <p:spPr>
           <a:xfrm>
-            <a:off x="3974280" y="2534007"/>
+            <a:off x="3682732" y="2520755"/>
             <a:ext cx="1133972" cy="0"/>
           </a:xfrm>
           <a:prstGeom prst="straightConnector1">
@@ -4764,6 +4764,153 @@
             <a:r>
               <a:rPr lang="it-IT" sz="2800" b="1" u="sng" dirty="0"/>
               <a:t>STUDIO DEL SENSORE</a:t>
+            </a:r>
+          </a:p>
+        </p:txBody>
+      </p:sp>
+      <p:pic>
+        <p:nvPicPr>
+          <p:cNvPr id="10" name="Immagine 9" descr="Immagine che contiene logo, clipart, Elementi grafici, design&#10;&#10;Descrizione generata automaticamente">
+            <a:extLst>
+              <a:ext uri="{FF2B5EF4-FFF2-40B4-BE49-F238E27FC236}">
+                <a16:creationId xmlns:a16="http://schemas.microsoft.com/office/drawing/2014/main" id="{2EDA3E5C-1781-3FCB-BCBA-DA0A0DCB09E0}"/>
+              </a:ext>
+            </a:extLst>
+          </p:cNvPr>
+          <p:cNvPicPr>
+            <a:picLocks noChangeAspect="1"/>
+          </p:cNvPicPr>
+          <p:nvPr/>
+        </p:nvPicPr>
+        <p:blipFill>
+          <a:blip r:embed="rId6">
+            <a:extLst>
+              <a:ext uri="{28A0092B-C50C-407E-A947-70E740481C1C}">
+                <a14:useLocalDpi xmlns:a14="http://schemas.microsoft.com/office/drawing/2010/main" val="0"/>
+              </a:ext>
+            </a:extLst>
+          </a:blip>
+          <a:stretch>
+            <a:fillRect/>
+          </a:stretch>
+        </p:blipFill>
+        <p:spPr>
+          <a:xfrm>
+            <a:off x="10711650" y="2179517"/>
+            <a:ext cx="716885" cy="716885"/>
+          </a:xfrm>
+          <a:prstGeom prst="rect">
+            <a:avLst/>
+          </a:prstGeom>
+        </p:spPr>
+      </p:pic>
+      <p:sp>
+        <p:nvSpPr>
+          <p:cNvPr id="14" name="CasellaDiTesto 13">
+            <a:extLst>
+              <a:ext uri="{FF2B5EF4-FFF2-40B4-BE49-F238E27FC236}">
+                <a16:creationId xmlns:a16="http://schemas.microsoft.com/office/drawing/2014/main" id="{C8A92E80-A8EE-811F-8D66-BB2E7608F4B9}"/>
+              </a:ext>
+            </a:extLst>
+          </p:cNvPr>
+          <p:cNvSpPr txBox="1"/>
+          <p:nvPr/>
+        </p:nvSpPr>
+        <p:spPr>
+          <a:xfrm>
+            <a:off x="9482161" y="2310177"/>
+            <a:ext cx="1231286" cy="276999"/>
+          </a:xfrm>
+          <a:prstGeom prst="rect">
+            <a:avLst/>
+          </a:prstGeom>
+          <a:noFill/>
+        </p:spPr>
+        <p:txBody>
+          <a:bodyPr wrap="square" rtlCol="0">
+            <a:spAutoFit/>
+          </a:bodyPr>
+          <a:lstStyle/>
+          <a:p>
+            <a:r>
+              <a:rPr lang="it-IT" sz="1200" dirty="0"/>
+              <a:t>is analysed by</a:t>
+            </a:r>
+          </a:p>
+        </p:txBody>
+      </p:sp>
+      <p:cxnSp>
+        <p:nvCxnSpPr>
+          <p:cNvPr id="15" name="Connettore 2 14">
+            <a:extLst>
+              <a:ext uri="{FF2B5EF4-FFF2-40B4-BE49-F238E27FC236}">
+                <a16:creationId xmlns:a16="http://schemas.microsoft.com/office/drawing/2014/main" id="{CE5702D8-A935-D0EF-7BF7-36F1E69F7459}"/>
+              </a:ext>
+            </a:extLst>
+          </p:cNvPr>
+          <p:cNvCxnSpPr>
+            <a:cxnSpLocks/>
+          </p:cNvCxnSpPr>
+          <p:nvPr/>
+        </p:nvCxnSpPr>
+        <p:spPr>
+          <a:xfrm>
+            <a:off x="9515958" y="2614544"/>
+            <a:ext cx="1133972" cy="0"/>
+          </a:xfrm>
+          <a:prstGeom prst="straightConnector1">
+            <a:avLst/>
+          </a:prstGeom>
+          <a:ln w="28575">
+            <a:tailEnd type="triangle"/>
+          </a:ln>
+        </p:spPr>
+        <p:style>
+          <a:lnRef idx="3">
+            <a:schemeClr val="dk1"/>
+          </a:lnRef>
+          <a:fillRef idx="0">
+            <a:schemeClr val="dk1"/>
+          </a:fillRef>
+          <a:effectRef idx="2">
+            <a:schemeClr val="dk1"/>
+          </a:effectRef>
+          <a:fontRef idx="minor">
+            <a:schemeClr val="tx1"/>
+          </a:fontRef>
+        </p:style>
+      </p:cxnSp>
+      <p:sp>
+        <p:nvSpPr>
+          <p:cNvPr id="23" name="CasellaDiTesto 22">
+            <a:extLst>
+              <a:ext uri="{FF2B5EF4-FFF2-40B4-BE49-F238E27FC236}">
+                <a16:creationId xmlns:a16="http://schemas.microsoft.com/office/drawing/2014/main" id="{F827B265-9FF2-503C-3F60-9054C0B8E445}"/>
+              </a:ext>
+            </a:extLst>
+          </p:cNvPr>
+          <p:cNvSpPr txBox="1"/>
+          <p:nvPr/>
+        </p:nvSpPr>
+        <p:spPr>
+          <a:xfrm>
+            <a:off x="10432051" y="2974277"/>
+            <a:ext cx="1231286" cy="276999"/>
+          </a:xfrm>
+          <a:prstGeom prst="rect">
+            <a:avLst/>
+          </a:prstGeom>
+          <a:noFill/>
+        </p:spPr>
+        <p:txBody>
+          <a:bodyPr wrap="square" rtlCol="0">
+            <a:spAutoFit/>
+          </a:bodyPr>
+          <a:lstStyle/>
+          <a:p>
+            <a:r>
+              <a:rPr lang="it-IT" sz="1200" dirty="0"/>
+              <a:t>plot_dev_std.py</a:t>
             </a:r>
           </a:p>
         </p:txBody>
